--- a/pmgmt/Pow040.Kmdf.pptx
+++ b/pmgmt/Pow040.Kmdf.pptx
@@ -5,18 +5,23 @@
     <p:sldMasterId id="2147483648" r:id="rId1"/>
   </p:sldMasterIdLst>
   <p:notesMasterIdLst>
-    <p:notesMasterId r:id="rId11"/>
+    <p:notesMasterId r:id="rId16"/>
   </p:notesMasterIdLst>
   <p:sldIdLst>
     <p:sldId id="256" r:id="rId2"/>
-    <p:sldId id="257" r:id="rId3"/>
-    <p:sldId id="258" r:id="rId4"/>
-    <p:sldId id="259" r:id="rId5"/>
-    <p:sldId id="260" r:id="rId6"/>
-    <p:sldId id="261" r:id="rId7"/>
-    <p:sldId id="262" r:id="rId8"/>
-    <p:sldId id="263" r:id="rId9"/>
-    <p:sldId id="264" r:id="rId10"/>
+    <p:sldId id="268" r:id="rId3"/>
+    <p:sldId id="266" r:id="rId4"/>
+    <p:sldId id="269" r:id="rId5"/>
+    <p:sldId id="267" r:id="rId6"/>
+    <p:sldId id="257" r:id="rId7"/>
+    <p:sldId id="265" r:id="rId8"/>
+    <p:sldId id="258" r:id="rId9"/>
+    <p:sldId id="259" r:id="rId10"/>
+    <p:sldId id="260" r:id="rId11"/>
+    <p:sldId id="261" r:id="rId12"/>
+    <p:sldId id="262" r:id="rId13"/>
+    <p:sldId id="263" r:id="rId14"/>
+    <p:sldId id="264" r:id="rId15"/>
   </p:sldIdLst>
   <p:sldSz cx="9144000" cy="6858000" type="screen4x3"/>
   <p:notesSz cx="6858000" cy="9144000"/>
@@ -241,7 +246,7 @@
             <a:fld id="{91AA33BB-5012-4FA9-BC94-2423B0F96BF0}" type="datetimeFigureOut">
               <a:rPr lang="en-US" smtClean="0"/>
               <a:pPr/>
-              <a:t>8/26/2013</a:t>
+              <a:t>8/30/2013</a:t>
             </a:fld>
             <a:endParaRPr lang="en-US"/>
           </a:p>
@@ -6070,6 +6075,10 @@
           <a:bodyPr/>
           <a:lstStyle/>
           <a:p>
+            <a:r>
+              <a:rPr lang="en-US" dirty="0" smtClean="0"/>
+              <a:t>Power using KMDF</a:t>
+            </a:r>
             <a:endParaRPr lang="he-IL" dirty="0"/>
           </a:p>
         </p:txBody>
@@ -6086,6 +6095,759 @@
       </p:par>
     </p:tnLst>
   </p:timing>
+</p:sld>
+</file>
+
+<file path=ppt/slides/slide10.xml><?xml version="1.0" encoding="utf-8"?>
+<p:sld xmlns:a="http://schemas.openxmlformats.org/drawingml/2006/main" xmlns:r="http://schemas.openxmlformats.org/officeDocument/2006/relationships" xmlns:p="http://schemas.openxmlformats.org/presentationml/2006/main">
+  <p:cSld>
+    <p:spTree>
+      <p:nvGrpSpPr>
+        <p:cNvPr id="1" name=""/>
+        <p:cNvGrpSpPr/>
+        <p:nvPr/>
+      </p:nvGrpSpPr>
+      <p:grpSpPr>
+        <a:xfrm>
+          <a:off x="0" y="0"/>
+          <a:ext cx="0" cy="0"/>
+          <a:chOff x="0" y="0"/>
+          <a:chExt cx="0" cy="0"/>
+        </a:xfrm>
+      </p:grpSpPr>
+      <p:sp>
+        <p:nvSpPr>
+          <p:cNvPr id="2" name="Title 1"/>
+          <p:cNvSpPr>
+            <a:spLocks noGrp="1"/>
+          </p:cNvSpPr>
+          <p:nvPr>
+            <p:ph type="title"/>
+          </p:nvPr>
+        </p:nvSpPr>
+        <p:spPr/>
+        <p:txBody>
+          <a:bodyPr/>
+          <a:lstStyle/>
+          <a:p>
+            <a:r>
+              <a:rPr lang="en-US" dirty="0" smtClean="0"/>
+              <a:t>Supporting System Wake Up</a:t>
+            </a:r>
+            <a:endParaRPr lang="he-IL" dirty="0"/>
+          </a:p>
+        </p:txBody>
+      </p:sp>
+      <p:sp>
+        <p:nvSpPr>
+          <p:cNvPr id="3" name="Content Placeholder 2"/>
+          <p:cNvSpPr>
+            <a:spLocks noGrp="1"/>
+          </p:cNvSpPr>
+          <p:nvPr>
+            <p:ph idx="1"/>
+          </p:nvPr>
+        </p:nvSpPr>
+        <p:spPr/>
+        <p:txBody>
+          <a:bodyPr/>
+          <a:lstStyle/>
+          <a:p>
+            <a:r>
+              <a:rPr lang="en-US" dirty="0" err="1" smtClean="0"/>
+              <a:t>WdfDeviceAssignSxWakeSettings</a:t>
+            </a:r>
+            <a:endParaRPr lang="en-US" dirty="0" smtClean="0"/>
+          </a:p>
+          <a:p>
+            <a:pPr lvl="1"/>
+            <a:r>
+              <a:rPr lang="en-US" dirty="0" smtClean="0"/>
+              <a:t>Low power state that device can enter</a:t>
+            </a:r>
+          </a:p>
+          <a:p>
+            <a:pPr lvl="1"/>
+            <a:r>
+              <a:rPr lang="en-US" dirty="0" smtClean="0"/>
+              <a:t>Whether user can control the idle settings.</a:t>
+            </a:r>
+          </a:p>
+          <a:p>
+            <a:pPr lvl="1"/>
+            <a:r>
+              <a:rPr lang="en-US" dirty="0" smtClean="0"/>
+              <a:t>Device can wake</a:t>
+            </a:r>
+          </a:p>
+          <a:p>
+            <a:endParaRPr lang="he-IL" dirty="0"/>
+          </a:p>
+        </p:txBody>
+      </p:sp>
+      <p:sp>
+        <p:nvSpPr>
+          <p:cNvPr id="4" name="Footer Placeholder 3"/>
+          <p:cNvSpPr>
+            <a:spLocks noGrp="1"/>
+          </p:cNvSpPr>
+          <p:nvPr>
+            <p:ph type="ftr" sz="quarter" idx="11"/>
+          </p:nvPr>
+        </p:nvSpPr>
+        <p:spPr/>
+        <p:txBody>
+          <a:bodyPr/>
+          <a:lstStyle/>
+          <a:p>
+            <a:r>
+              <a:rPr lang="en-US" smtClean="0"/>
+              <a:t>© Copyright SELA software &amp; Education Labs Ltd. 14-18 Baruch Hirsch St.Bnei Brak 51202 Israel</a:t>
+            </a:r>
+            <a:endParaRPr lang="en-US" sz="900" dirty="0"/>
+          </a:p>
+        </p:txBody>
+      </p:sp>
+      <p:sp>
+        <p:nvSpPr>
+          <p:cNvPr id="5" name="Slide Number Placeholder 4"/>
+          <p:cNvSpPr>
+            <a:spLocks noGrp="1"/>
+          </p:cNvSpPr>
+          <p:nvPr>
+            <p:ph type="sldNum" sz="quarter" idx="12"/>
+          </p:nvPr>
+        </p:nvSpPr>
+        <p:spPr/>
+        <p:txBody>
+          <a:bodyPr/>
+          <a:lstStyle/>
+          <a:p>
+            <a:fld id="{A8794525-BC30-4BC1-AEF1-2AC4F0B18175}" type="slidenum">
+              <a:rPr lang="en-US" smtClean="0"/>
+              <a:pPr/>
+              <a:t>10</a:t>
+            </a:fld>
+            <a:endParaRPr lang="en-US"/>
+          </a:p>
+        </p:txBody>
+      </p:sp>
+    </p:spTree>
+    <p:extLst>
+      <p:ext uri="{BB962C8B-B14F-4D97-AF65-F5344CB8AC3E}">
+        <p14:creationId xmlns:p14="http://schemas.microsoft.com/office/powerpoint/2010/main" val="3995613820"/>
+      </p:ext>
+    </p:extLst>
+  </p:cSld>
+  <p:clrMapOvr>
+    <a:masterClrMapping/>
+  </p:clrMapOvr>
+</p:sld>
+</file>
+
+<file path=ppt/slides/slide11.xml><?xml version="1.0" encoding="utf-8"?>
+<p:sld xmlns:a="http://schemas.openxmlformats.org/drawingml/2006/main" xmlns:r="http://schemas.openxmlformats.org/officeDocument/2006/relationships" xmlns:p="http://schemas.openxmlformats.org/presentationml/2006/main">
+  <p:cSld>
+    <p:spTree>
+      <p:nvGrpSpPr>
+        <p:cNvPr id="1" name=""/>
+        <p:cNvGrpSpPr/>
+        <p:nvPr/>
+      </p:nvGrpSpPr>
+      <p:grpSpPr>
+        <a:xfrm>
+          <a:off x="0" y="0"/>
+          <a:ext cx="0" cy="0"/>
+          <a:chOff x="0" y="0"/>
+          <a:chExt cx="0" cy="0"/>
+        </a:xfrm>
+      </p:grpSpPr>
+      <p:sp>
+        <p:nvSpPr>
+          <p:cNvPr id="2" name="Title 1"/>
+          <p:cNvSpPr>
+            <a:spLocks noGrp="1"/>
+          </p:cNvSpPr>
+          <p:nvPr>
+            <p:ph type="title"/>
+          </p:nvPr>
+        </p:nvSpPr>
+        <p:spPr/>
+        <p:txBody>
+          <a:bodyPr/>
+          <a:lstStyle/>
+          <a:p>
+            <a:r>
+              <a:rPr lang="en-US" dirty="0" smtClean="0"/>
+              <a:t>I/O Queues</a:t>
+            </a:r>
+            <a:endParaRPr lang="he-IL" dirty="0"/>
+          </a:p>
+        </p:txBody>
+      </p:sp>
+      <p:sp>
+        <p:nvSpPr>
+          <p:cNvPr id="3" name="Content Placeholder 2"/>
+          <p:cNvSpPr>
+            <a:spLocks noGrp="1"/>
+          </p:cNvSpPr>
+          <p:nvPr>
+            <p:ph idx="1"/>
+          </p:nvPr>
+        </p:nvSpPr>
+        <p:spPr/>
+        <p:txBody>
+          <a:bodyPr/>
+          <a:lstStyle/>
+          <a:p>
+            <a:r>
+              <a:rPr lang="en-US" dirty="0" smtClean="0"/>
+              <a:t>Group I/O requests to 2 categories</a:t>
+            </a:r>
+          </a:p>
+          <a:p>
+            <a:pPr lvl="1"/>
+            <a:r>
+              <a:rPr lang="en-US" dirty="0" smtClean="0"/>
+              <a:t>Requests that requires D0 (Read, Write, etc.)</a:t>
+            </a:r>
+          </a:p>
+          <a:p>
+            <a:pPr lvl="1"/>
+            <a:r>
+              <a:rPr lang="en-US" dirty="0" smtClean="0"/>
+              <a:t>Requests that not require D0 (some IO control, etc.)</a:t>
+            </a:r>
+          </a:p>
+          <a:p>
+            <a:r>
+              <a:rPr lang="en-US" dirty="0" smtClean="0"/>
+              <a:t>Framework can create two queues, for each group.</a:t>
+            </a:r>
+          </a:p>
+          <a:p>
+            <a:pPr lvl="1"/>
+            <a:r>
+              <a:rPr lang="en-US" dirty="0" err="1" smtClean="0"/>
+              <a:t>PowerManaged</a:t>
+            </a:r>
+            <a:r>
+              <a:rPr lang="en-US" dirty="0" smtClean="0"/>
+              <a:t> field in WDF_IO_QUEUE_CONFIG: </a:t>
+            </a:r>
+            <a:r>
+              <a:rPr lang="en-US" dirty="0" err="1" smtClean="0"/>
+              <a:t>WdfTrue</a:t>
+            </a:r>
+            <a:r>
+              <a:rPr lang="en-US" dirty="0" smtClean="0"/>
+              <a:t> or </a:t>
+            </a:r>
+            <a:r>
+              <a:rPr lang="en-US" dirty="0" err="1" smtClean="0"/>
+              <a:t>WdfFalse</a:t>
+            </a:r>
+            <a:endParaRPr lang="en-US" dirty="0" smtClean="0"/>
+          </a:p>
+          <a:p>
+            <a:pPr lvl="1"/>
+            <a:endParaRPr lang="en-US" dirty="0" smtClean="0"/>
+          </a:p>
+        </p:txBody>
+      </p:sp>
+      <p:sp>
+        <p:nvSpPr>
+          <p:cNvPr id="4" name="Footer Placeholder 3"/>
+          <p:cNvSpPr>
+            <a:spLocks noGrp="1"/>
+          </p:cNvSpPr>
+          <p:nvPr>
+            <p:ph type="ftr" sz="quarter" idx="11"/>
+          </p:nvPr>
+        </p:nvSpPr>
+        <p:spPr/>
+        <p:txBody>
+          <a:bodyPr/>
+          <a:lstStyle/>
+          <a:p>
+            <a:r>
+              <a:rPr lang="en-US" smtClean="0"/>
+              <a:t>© Copyright SELA software &amp; Education Labs Ltd. 14-18 Baruch Hirsch St.Bnei Brak 51202 Israel</a:t>
+            </a:r>
+            <a:endParaRPr lang="en-US" sz="900" dirty="0"/>
+          </a:p>
+        </p:txBody>
+      </p:sp>
+      <p:sp>
+        <p:nvSpPr>
+          <p:cNvPr id="5" name="Slide Number Placeholder 4"/>
+          <p:cNvSpPr>
+            <a:spLocks noGrp="1"/>
+          </p:cNvSpPr>
+          <p:nvPr>
+            <p:ph type="sldNum" sz="quarter" idx="12"/>
+          </p:nvPr>
+        </p:nvSpPr>
+        <p:spPr/>
+        <p:txBody>
+          <a:bodyPr/>
+          <a:lstStyle/>
+          <a:p>
+            <a:fld id="{A8794525-BC30-4BC1-AEF1-2AC4F0B18175}" type="slidenum">
+              <a:rPr lang="en-US" smtClean="0"/>
+              <a:pPr/>
+              <a:t>11</a:t>
+            </a:fld>
+            <a:endParaRPr lang="en-US"/>
+          </a:p>
+        </p:txBody>
+      </p:sp>
+    </p:spTree>
+    <p:extLst>
+      <p:ext uri="{BB962C8B-B14F-4D97-AF65-F5344CB8AC3E}">
+        <p14:creationId xmlns:p14="http://schemas.microsoft.com/office/powerpoint/2010/main" val="2166839470"/>
+      </p:ext>
+    </p:extLst>
+  </p:cSld>
+  <p:clrMapOvr>
+    <a:masterClrMapping/>
+  </p:clrMapOvr>
+</p:sld>
+</file>
+
+<file path=ppt/slides/slide12.xml><?xml version="1.0" encoding="utf-8"?>
+<p:sld xmlns:a="http://schemas.openxmlformats.org/drawingml/2006/main" xmlns:r="http://schemas.openxmlformats.org/officeDocument/2006/relationships" xmlns:p="http://schemas.openxmlformats.org/presentationml/2006/main">
+  <p:cSld>
+    <p:spTree>
+      <p:nvGrpSpPr>
+        <p:cNvPr id="1" name=""/>
+        <p:cNvGrpSpPr/>
+        <p:nvPr/>
+      </p:nvGrpSpPr>
+      <p:grpSpPr>
+        <a:xfrm>
+          <a:off x="0" y="0"/>
+          <a:ext cx="0" cy="0"/>
+          <a:chOff x="0" y="0"/>
+          <a:chExt cx="0" cy="0"/>
+        </a:xfrm>
+      </p:grpSpPr>
+      <p:sp>
+        <p:nvSpPr>
+          <p:cNvPr id="2" name="Title 1"/>
+          <p:cNvSpPr>
+            <a:spLocks noGrp="1"/>
+          </p:cNvSpPr>
+          <p:nvPr>
+            <p:ph type="title"/>
+          </p:nvPr>
+        </p:nvSpPr>
+        <p:spPr/>
+        <p:txBody>
+          <a:bodyPr/>
+          <a:lstStyle/>
+          <a:p>
+            <a:r>
+              <a:rPr lang="en-US" dirty="0" smtClean="0"/>
+              <a:t>Sub-device power state</a:t>
+            </a:r>
+            <a:endParaRPr lang="he-IL" dirty="0"/>
+          </a:p>
+        </p:txBody>
+      </p:sp>
+      <p:sp>
+        <p:nvSpPr>
+          <p:cNvPr id="3" name="Content Placeholder 2"/>
+          <p:cNvSpPr>
+            <a:spLocks noGrp="1"/>
+          </p:cNvSpPr>
+          <p:nvPr>
+            <p:ph idx="1"/>
+          </p:nvPr>
+        </p:nvSpPr>
+        <p:spPr/>
+        <p:txBody>
+          <a:bodyPr/>
+          <a:lstStyle/>
+          <a:p>
+            <a:r>
+              <a:rPr lang="en-US" dirty="0" smtClean="0"/>
+              <a:t>In Windows 8: Power Management Framework (</a:t>
+            </a:r>
+            <a:r>
+              <a:rPr lang="en-US" dirty="0" err="1" smtClean="0"/>
+              <a:t>PoFx</a:t>
+            </a:r>
+            <a:r>
+              <a:rPr lang="en-US" dirty="0" smtClean="0"/>
+              <a:t>)</a:t>
+            </a:r>
+          </a:p>
+          <a:p>
+            <a:r>
+              <a:rPr lang="en-US" dirty="0" smtClean="0"/>
+              <a:t>F0, F1, F2, F3 states</a:t>
+            </a:r>
+          </a:p>
+          <a:p>
+            <a:r>
+              <a:rPr lang="en-US" dirty="0" smtClean="0"/>
+              <a:t>Device runtime power management:</a:t>
+            </a:r>
+          </a:p>
+          <a:p>
+            <a:pPr lvl="1"/>
+            <a:r>
+              <a:rPr lang="en-US" dirty="0" smtClean="0"/>
+              <a:t>Using D states</a:t>
+            </a:r>
+          </a:p>
+          <a:p>
+            <a:pPr lvl="1"/>
+            <a:r>
+              <a:rPr lang="en-US" dirty="0" smtClean="0"/>
+              <a:t>Device Idle detection</a:t>
+            </a:r>
+          </a:p>
+          <a:p>
+            <a:r>
+              <a:rPr lang="en-US" dirty="0" smtClean="0"/>
+              <a:t>Component level power management:</a:t>
+            </a:r>
+          </a:p>
+          <a:p>
+            <a:pPr lvl="1"/>
+            <a:r>
+              <a:rPr lang="en-US" dirty="0" smtClean="0"/>
+              <a:t>Using F states</a:t>
+            </a:r>
+          </a:p>
+          <a:p>
+            <a:pPr lvl="1"/>
+            <a:r>
+              <a:rPr lang="en-US" dirty="0" smtClean="0"/>
+              <a:t>Only while device is in D0 state</a:t>
+            </a:r>
+          </a:p>
+          <a:p>
+            <a:pPr lvl="1"/>
+            <a:endParaRPr lang="en-US" dirty="0" smtClean="0"/>
+          </a:p>
+          <a:p>
+            <a:endParaRPr lang="he-IL" dirty="0"/>
+          </a:p>
+        </p:txBody>
+      </p:sp>
+      <p:sp>
+        <p:nvSpPr>
+          <p:cNvPr id="4" name="Footer Placeholder 3"/>
+          <p:cNvSpPr>
+            <a:spLocks noGrp="1"/>
+          </p:cNvSpPr>
+          <p:nvPr>
+            <p:ph type="ftr" sz="quarter" idx="11"/>
+          </p:nvPr>
+        </p:nvSpPr>
+        <p:spPr/>
+        <p:txBody>
+          <a:bodyPr/>
+          <a:lstStyle/>
+          <a:p>
+            <a:r>
+              <a:rPr lang="en-US" smtClean="0"/>
+              <a:t>© Copyright SELA software &amp; Education Labs Ltd. 14-18 Baruch Hirsch St.Bnei Brak 51202 Israel</a:t>
+            </a:r>
+            <a:endParaRPr lang="en-US" sz="900" dirty="0"/>
+          </a:p>
+        </p:txBody>
+      </p:sp>
+      <p:sp>
+        <p:nvSpPr>
+          <p:cNvPr id="5" name="Slide Number Placeholder 4"/>
+          <p:cNvSpPr>
+            <a:spLocks noGrp="1"/>
+          </p:cNvSpPr>
+          <p:nvPr>
+            <p:ph type="sldNum" sz="quarter" idx="12"/>
+          </p:nvPr>
+        </p:nvSpPr>
+        <p:spPr/>
+        <p:txBody>
+          <a:bodyPr/>
+          <a:lstStyle/>
+          <a:p>
+            <a:fld id="{A8794525-BC30-4BC1-AEF1-2AC4F0B18175}" type="slidenum">
+              <a:rPr lang="en-US" smtClean="0"/>
+              <a:pPr/>
+              <a:t>12</a:t>
+            </a:fld>
+            <a:endParaRPr lang="en-US"/>
+          </a:p>
+        </p:txBody>
+      </p:sp>
+    </p:spTree>
+    <p:extLst>
+      <p:ext uri="{BB962C8B-B14F-4D97-AF65-F5344CB8AC3E}">
+        <p14:creationId xmlns:p14="http://schemas.microsoft.com/office/powerpoint/2010/main" val="4141108320"/>
+      </p:ext>
+    </p:extLst>
+  </p:cSld>
+  <p:clrMapOvr>
+    <a:masterClrMapping/>
+  </p:clrMapOvr>
+</p:sld>
+</file>
+
+<file path=ppt/slides/slide13.xml><?xml version="1.0" encoding="utf-8"?>
+<p:sld xmlns:a="http://schemas.openxmlformats.org/drawingml/2006/main" xmlns:r="http://schemas.openxmlformats.org/officeDocument/2006/relationships" xmlns:p="http://schemas.openxmlformats.org/presentationml/2006/main">
+  <p:cSld>
+    <p:spTree>
+      <p:nvGrpSpPr>
+        <p:cNvPr id="1" name=""/>
+        <p:cNvGrpSpPr/>
+        <p:nvPr/>
+      </p:nvGrpSpPr>
+      <p:grpSpPr>
+        <a:xfrm>
+          <a:off x="0" y="0"/>
+          <a:ext cx="0" cy="0"/>
+          <a:chOff x="0" y="0"/>
+          <a:chExt cx="0" cy="0"/>
+        </a:xfrm>
+      </p:grpSpPr>
+      <p:sp>
+        <p:nvSpPr>
+          <p:cNvPr id="2" name="Title 1"/>
+          <p:cNvSpPr>
+            <a:spLocks noGrp="1"/>
+          </p:cNvSpPr>
+          <p:nvPr>
+            <p:ph type="title"/>
+          </p:nvPr>
+        </p:nvSpPr>
+        <p:spPr/>
+        <p:txBody>
+          <a:bodyPr/>
+          <a:lstStyle/>
+          <a:p>
+            <a:r>
+              <a:rPr lang="en-US" dirty="0" err="1" smtClean="0"/>
+              <a:t>PoFx</a:t>
+            </a:r>
+            <a:r>
+              <a:rPr lang="en-US" dirty="0" smtClean="0"/>
+              <a:t> functions</a:t>
+            </a:r>
+            <a:endParaRPr lang="he-IL" dirty="0"/>
+          </a:p>
+        </p:txBody>
+      </p:sp>
+      <p:sp>
+        <p:nvSpPr>
+          <p:cNvPr id="3" name="Content Placeholder 2"/>
+          <p:cNvSpPr>
+            <a:spLocks noGrp="1"/>
+          </p:cNvSpPr>
+          <p:nvPr>
+            <p:ph idx="1"/>
+          </p:nvPr>
+        </p:nvSpPr>
+        <p:spPr/>
+        <p:txBody>
+          <a:bodyPr/>
+          <a:lstStyle/>
+          <a:p>
+            <a:r>
+              <a:rPr lang="en-US" dirty="0" smtClean="0"/>
+              <a:t>Registration</a:t>
+            </a:r>
+          </a:p>
+          <a:p>
+            <a:pPr lvl="1"/>
+            <a:r>
+              <a:rPr lang="en-US" dirty="0" err="1" smtClean="0"/>
+              <a:t>PoFxRegisterDevice</a:t>
+            </a:r>
+            <a:endParaRPr lang="en-US" dirty="0" smtClean="0"/>
+          </a:p>
+          <a:p>
+            <a:pPr lvl="1"/>
+            <a:r>
+              <a:rPr lang="en-US" dirty="0" err="1" smtClean="0"/>
+              <a:t>PoFxStartDevicePowerManagement</a:t>
+            </a:r>
+            <a:endParaRPr lang="en-US" dirty="0" smtClean="0"/>
+          </a:p>
+          <a:p>
+            <a:r>
+              <a:rPr lang="en-US" dirty="0" err="1" smtClean="0"/>
+              <a:t>PoFxReportDevicePoweredOn</a:t>
+            </a:r>
+            <a:endParaRPr lang="en-US" smtClean="0"/>
+          </a:p>
+          <a:p>
+            <a:pPr lvl="1"/>
+            <a:endParaRPr lang="he-IL"/>
+          </a:p>
+        </p:txBody>
+      </p:sp>
+      <p:sp>
+        <p:nvSpPr>
+          <p:cNvPr id="4" name="Footer Placeholder 3"/>
+          <p:cNvSpPr>
+            <a:spLocks noGrp="1"/>
+          </p:cNvSpPr>
+          <p:nvPr>
+            <p:ph type="ftr" sz="quarter" idx="11"/>
+          </p:nvPr>
+        </p:nvSpPr>
+        <p:spPr/>
+        <p:txBody>
+          <a:bodyPr/>
+          <a:lstStyle/>
+          <a:p>
+            <a:r>
+              <a:rPr lang="en-US" smtClean="0"/>
+              <a:t>© Copyright SELA software &amp; Education Labs Ltd. 14-18 Baruch Hirsch St.Bnei Brak 51202 Israel</a:t>
+            </a:r>
+            <a:endParaRPr lang="en-US" sz="900" dirty="0"/>
+          </a:p>
+        </p:txBody>
+      </p:sp>
+      <p:sp>
+        <p:nvSpPr>
+          <p:cNvPr id="5" name="Slide Number Placeholder 4"/>
+          <p:cNvSpPr>
+            <a:spLocks noGrp="1"/>
+          </p:cNvSpPr>
+          <p:nvPr>
+            <p:ph type="sldNum" sz="quarter" idx="12"/>
+          </p:nvPr>
+        </p:nvSpPr>
+        <p:spPr/>
+        <p:txBody>
+          <a:bodyPr/>
+          <a:lstStyle/>
+          <a:p>
+            <a:fld id="{A8794525-BC30-4BC1-AEF1-2AC4F0B18175}" type="slidenum">
+              <a:rPr lang="en-US" smtClean="0"/>
+              <a:pPr/>
+              <a:t>13</a:t>
+            </a:fld>
+            <a:endParaRPr lang="en-US"/>
+          </a:p>
+        </p:txBody>
+      </p:sp>
+    </p:spTree>
+    <p:extLst>
+      <p:ext uri="{BB962C8B-B14F-4D97-AF65-F5344CB8AC3E}">
+        <p14:creationId xmlns:p14="http://schemas.microsoft.com/office/powerpoint/2010/main" val="2730344464"/>
+      </p:ext>
+    </p:extLst>
+  </p:cSld>
+  <p:clrMapOvr>
+    <a:masterClrMapping/>
+  </p:clrMapOvr>
+</p:sld>
+</file>
+
+<file path=ppt/slides/slide14.xml><?xml version="1.0" encoding="utf-8"?>
+<p:sld xmlns:a="http://schemas.openxmlformats.org/drawingml/2006/main" xmlns:r="http://schemas.openxmlformats.org/officeDocument/2006/relationships" xmlns:p="http://schemas.openxmlformats.org/presentationml/2006/main">
+  <p:cSld>
+    <p:spTree>
+      <p:nvGrpSpPr>
+        <p:cNvPr id="1" name=""/>
+        <p:cNvGrpSpPr/>
+        <p:nvPr/>
+      </p:nvGrpSpPr>
+      <p:grpSpPr>
+        <a:xfrm>
+          <a:off x="0" y="0"/>
+          <a:ext cx="0" cy="0"/>
+          <a:chOff x="0" y="0"/>
+          <a:chExt cx="0" cy="0"/>
+        </a:xfrm>
+      </p:grpSpPr>
+      <p:sp>
+        <p:nvSpPr>
+          <p:cNvPr id="2" name="Footer Placeholder 1"/>
+          <p:cNvSpPr>
+            <a:spLocks noGrp="1"/>
+          </p:cNvSpPr>
+          <p:nvPr>
+            <p:ph type="ftr" sz="quarter" idx="11"/>
+          </p:nvPr>
+        </p:nvSpPr>
+        <p:spPr/>
+        <p:txBody>
+          <a:bodyPr/>
+          <a:lstStyle/>
+          <a:p>
+            <a:r>
+              <a:rPr lang="en-US" smtClean="0"/>
+              <a:t>© Copyright SELA software &amp; Education Labs Ltd. 14-18 Baruch Hirsch St.Bnei Brak 51202 Israel</a:t>
+            </a:r>
+            <a:endParaRPr lang="en-US" sz="900" dirty="0"/>
+          </a:p>
+        </p:txBody>
+      </p:sp>
+      <p:sp>
+        <p:nvSpPr>
+          <p:cNvPr id="3" name="Slide Number Placeholder 2"/>
+          <p:cNvSpPr>
+            <a:spLocks noGrp="1"/>
+          </p:cNvSpPr>
+          <p:nvPr>
+            <p:ph type="sldNum" sz="quarter" idx="12"/>
+          </p:nvPr>
+        </p:nvSpPr>
+        <p:spPr/>
+        <p:txBody>
+          <a:bodyPr/>
+          <a:lstStyle/>
+          <a:p>
+            <a:fld id="{A8794525-BC30-4BC1-AEF1-2AC4F0B18175}" type="slidenum">
+              <a:rPr lang="en-US" smtClean="0"/>
+              <a:pPr/>
+              <a:t>14</a:t>
+            </a:fld>
+            <a:endParaRPr lang="en-US"/>
+          </a:p>
+        </p:txBody>
+      </p:sp>
+      <p:sp>
+        <p:nvSpPr>
+          <p:cNvPr id="4" name="Title 3"/>
+          <p:cNvSpPr>
+            <a:spLocks noGrp="1"/>
+          </p:cNvSpPr>
+          <p:nvPr>
+            <p:ph type="title"/>
+          </p:nvPr>
+        </p:nvSpPr>
+        <p:spPr/>
+        <p:txBody>
+          <a:bodyPr/>
+          <a:lstStyle/>
+          <a:p>
+            <a:r>
+              <a:rPr lang="en-US" smtClean="0"/>
+              <a:t>KMDF Power Device</a:t>
+            </a:r>
+            <a:endParaRPr lang="he-IL"/>
+          </a:p>
+        </p:txBody>
+      </p:sp>
+    </p:spTree>
+    <p:extLst>
+      <p:ext uri="{BB962C8B-B14F-4D97-AF65-F5344CB8AC3E}">
+        <p14:creationId xmlns:p14="http://schemas.microsoft.com/office/powerpoint/2010/main" val="3591848115"/>
+      </p:ext>
+    </p:extLst>
+  </p:cSld>
+  <p:clrMapOvr>
+    <a:masterClrMapping/>
+  </p:clrMapOvr>
 </p:sld>
 </file>
 
@@ -6121,7 +6883,11 @@
           <a:bodyPr/>
           <a:lstStyle/>
           <a:p>
-            <a:endParaRPr lang="he-IL"/>
+            <a:r>
+              <a:rPr lang="en-US" dirty="0" smtClean="0"/>
+              <a:t>Yesterday</a:t>
+            </a:r>
+            <a:endParaRPr lang="he-IL" dirty="0"/>
           </a:p>
         </p:txBody>
       </p:sp>
@@ -6142,22 +6908,51 @@
           <a:p>
             <a:r>
               <a:rPr lang="en-US" dirty="0" smtClean="0"/>
-              <a:t>KMDF callbacks to communicate with driver PnP and Power events</a:t>
-            </a:r>
-          </a:p>
-          <a:p>
-            <a:r>
-              <a:rPr lang="en-US" dirty="0" smtClean="0"/>
-              <a:t>Framework handles many Power activities for us</a:t>
-            </a:r>
-          </a:p>
-          <a:p>
-            <a:r>
-              <a:rPr lang="en-US" dirty="0" smtClean="0"/>
-              <a:t>By default, Framework delivers I/O requests only if available and working (D0)</a:t>
-            </a:r>
-          </a:p>
-          <a:p>
+              <a:t>DO_POWER_RUSH</a:t>
+            </a:r>
+          </a:p>
+          <a:p>
+            <a:pPr lvl="1"/>
+            <a:r>
+              <a:rPr lang="en-US" dirty="0" smtClean="0"/>
+              <a:t>Power </a:t>
+            </a:r>
+            <a:r>
+              <a:rPr lang="en-US" dirty="0" smtClean="0"/>
+              <a:t>calculation</a:t>
+            </a:r>
+          </a:p>
+          <a:p>
+            <a:pPr lvl="1"/>
+            <a:r>
+              <a:rPr lang="en-US" dirty="0" smtClean="0"/>
+              <a:t>Serialization between devices. Only one device transition to S0 with Power Rush</a:t>
+            </a:r>
+            <a:r>
+              <a:rPr lang="en-US" dirty="0" smtClean="0"/>
+              <a:t>.</a:t>
+            </a:r>
+          </a:p>
+          <a:p>
+            <a:r>
+              <a:rPr lang="en-US" dirty="0" smtClean="0"/>
+              <a:t>WakeFromD0</a:t>
+            </a:r>
+          </a:p>
+          <a:p>
+            <a:pPr lvl="1"/>
+            <a:r>
+              <a:rPr lang="en-US" dirty="0" smtClean="0"/>
+              <a:t>An overlook. </a:t>
+            </a:r>
+            <a:r>
+              <a:rPr lang="en-US" dirty="0" smtClean="0"/>
+              <a:t>Should be </a:t>
+            </a:r>
+            <a:r>
+              <a:rPr lang="en-US" smtClean="0"/>
+              <a:t>always True.</a:t>
+            </a:r>
             <a:endParaRPr lang="he-IL" dirty="0"/>
           </a:p>
         </p:txBody>
@@ -6212,7 +7007,7 @@
     </p:spTree>
     <p:extLst>
       <p:ext uri="{BB962C8B-B14F-4D97-AF65-F5344CB8AC3E}">
-        <p14:creationId xmlns:p14="http://schemas.microsoft.com/office/powerpoint/2010/main" val="4292075591"/>
+        <p14:creationId xmlns:p14="http://schemas.microsoft.com/office/powerpoint/2010/main" val="2096050258"/>
       </p:ext>
     </p:extLst>
   </p:cSld>
@@ -6256,110 +7051,110 @@
           <a:p>
             <a:r>
               <a:rPr lang="en-US" dirty="0" smtClean="0"/>
-              <a:t>During </a:t>
+              <a:t>IRP_MJ_POWER/IRP_MN_SET_POWER</a:t>
+            </a:r>
+            <a:endParaRPr lang="he-IL" dirty="0"/>
+          </a:p>
+        </p:txBody>
+      </p:sp>
+      <p:sp>
+        <p:nvSpPr>
+          <p:cNvPr id="3" name="Content Placeholder 2"/>
+          <p:cNvSpPr>
+            <a:spLocks noGrp="1"/>
+          </p:cNvSpPr>
+          <p:nvPr>
+            <p:ph idx="1"/>
+          </p:nvPr>
+        </p:nvSpPr>
+        <p:spPr/>
+        <p:txBody>
+          <a:bodyPr/>
+          <a:lstStyle/>
+          <a:p>
+            <a:r>
+              <a:rPr lang="en-US" dirty="0" smtClean="0"/>
+              <a:t>Sent for both </a:t>
             </a:r>
             <a:r>
               <a:rPr lang="en-US" dirty="0" err="1" smtClean="0"/>
-              <a:t>EvtDriverDeviceAdd</a:t>
-            </a:r>
+              <a:t>Sx</a:t>
+            </a:r>
+            <a:r>
+              <a:rPr lang="en-US" dirty="0" smtClean="0"/>
+              <a:t> and </a:t>
+            </a:r>
+            <a:r>
+              <a:rPr lang="en-US" dirty="0" err="1" smtClean="0"/>
+              <a:t>Dx</a:t>
+            </a:r>
+            <a:r>
+              <a:rPr lang="en-US" dirty="0" smtClean="0"/>
+              <a:t> state change</a:t>
+            </a:r>
+          </a:p>
+          <a:p>
+            <a:r>
+              <a:rPr lang="en-US" dirty="0" err="1" smtClean="0"/>
+              <a:t>Parameters.Power.Type</a:t>
+            </a:r>
+            <a:r>
+              <a:rPr lang="en-US" dirty="0" smtClean="0"/>
+              <a:t>:</a:t>
+            </a:r>
+          </a:p>
+          <a:p>
+            <a:pPr lvl="1"/>
+            <a:r>
+              <a:rPr lang="en-US" dirty="0" err="1" smtClean="0"/>
+              <a:t>SystemPowerState</a:t>
+            </a:r>
+            <a:endParaRPr lang="en-US" dirty="0" smtClean="0"/>
+          </a:p>
+          <a:p>
+            <a:pPr lvl="2"/>
+            <a:r>
+              <a:rPr lang="en-US" dirty="0" err="1" smtClean="0"/>
+              <a:t>Parameters.Power.State</a:t>
+            </a:r>
+            <a:r>
+              <a:rPr lang="en-US" dirty="0" smtClean="0"/>
+              <a:t> is SYSTEM_POWER_STATE</a:t>
+            </a:r>
+          </a:p>
+          <a:p>
+            <a:pPr lvl="2"/>
+            <a:r>
+              <a:rPr lang="en-US" dirty="0" smtClean="0"/>
+              <a:t>Must not fail.</a:t>
+            </a:r>
+          </a:p>
+          <a:p>
+            <a:pPr lvl="1"/>
+            <a:r>
+              <a:rPr lang="en-US" dirty="0" err="1" smtClean="0"/>
+              <a:t>DevicePowerState</a:t>
+            </a:r>
+            <a:endParaRPr lang="en-US" dirty="0" smtClean="0"/>
+          </a:p>
+          <a:p>
+            <a:pPr lvl="2"/>
+            <a:r>
+              <a:rPr lang="en-US" dirty="0" err="1" smtClean="0"/>
+              <a:t>Parameters.Power.State</a:t>
+            </a:r>
+            <a:r>
+              <a:rPr lang="en-US" dirty="0" smtClean="0"/>
+              <a:t> is DEVICE_POWER_STATE</a:t>
+            </a:r>
+          </a:p>
+          <a:p>
+            <a:pPr lvl="2"/>
+            <a:endParaRPr lang="en-US" dirty="0" smtClean="0"/>
+          </a:p>
+          <a:p>
+            <a:pPr lvl="1"/>
             <a:endParaRPr lang="he-IL" dirty="0"/>
-          </a:p>
-        </p:txBody>
-      </p:sp>
-      <p:sp>
-        <p:nvSpPr>
-          <p:cNvPr id="3" name="Content Placeholder 2"/>
-          <p:cNvSpPr>
-            <a:spLocks noGrp="1"/>
-          </p:cNvSpPr>
-          <p:nvPr>
-            <p:ph idx="1"/>
-          </p:nvPr>
-        </p:nvSpPr>
-        <p:spPr/>
-        <p:txBody>
-          <a:bodyPr/>
-          <a:lstStyle/>
-          <a:p>
-            <a:r>
-              <a:rPr lang="en-US" sz="2400" dirty="0" smtClean="0"/>
-              <a:t>Call </a:t>
-            </a:r>
-            <a:r>
-              <a:rPr lang="en-US" sz="2400" dirty="0" err="1" smtClean="0"/>
-              <a:t>WdfDeviceInitSetPnpPowerEventCallbacks</a:t>
-            </a:r>
-            <a:endParaRPr lang="en-US" sz="2400" dirty="0" smtClean="0"/>
-          </a:p>
-          <a:p>
-            <a:pPr lvl="1"/>
-            <a:r>
-              <a:rPr lang="en-US" sz="2000" dirty="0" err="1" smtClean="0"/>
-              <a:t>EvtDevicePrepareHardware</a:t>
-            </a:r>
-            <a:endParaRPr lang="en-US" sz="2000" dirty="0" smtClean="0"/>
-          </a:p>
-          <a:p>
-            <a:pPr lvl="1"/>
-            <a:r>
-              <a:rPr lang="en-US" sz="2000" dirty="0" smtClean="0"/>
-              <a:t>EvtDeviceD0Entry</a:t>
-            </a:r>
-          </a:p>
-          <a:p>
-            <a:pPr lvl="1"/>
-            <a:r>
-              <a:rPr lang="en-US" sz="2000" dirty="0" smtClean="0"/>
-              <a:t>EvtDeviceD0Exit</a:t>
-            </a:r>
-          </a:p>
-          <a:p>
-            <a:pPr lvl="1"/>
-            <a:r>
-              <a:rPr lang="en-US" sz="2000" dirty="0" err="1" smtClean="0"/>
-              <a:t>EvtDeviceReleaseHardware</a:t>
-            </a:r>
-            <a:endParaRPr lang="en-US" sz="2000" dirty="0" smtClean="0"/>
-          </a:p>
-          <a:p>
-            <a:r>
-              <a:rPr lang="en-US" sz="2400" dirty="0" err="1" smtClean="0"/>
-              <a:t>WdfDeviceSetPnpCapabilities</a:t>
-            </a:r>
-            <a:r>
-              <a:rPr lang="en-US" sz="2400" dirty="0" smtClean="0"/>
-              <a:t>, </a:t>
-            </a:r>
-            <a:r>
-              <a:rPr lang="en-US" sz="2400" dirty="0" err="1" smtClean="0"/>
-              <a:t>WdfDeviceSetPowerCapabilities</a:t>
-            </a:r>
-            <a:endParaRPr lang="en-US" sz="2400" dirty="0" smtClean="0"/>
-          </a:p>
-          <a:p>
-            <a:r>
-              <a:rPr lang="en-US" sz="2400" dirty="0" smtClean="0"/>
-              <a:t>Wake: </a:t>
-            </a:r>
-            <a:r>
-              <a:rPr lang="en-US" sz="2400" dirty="0" err="1" smtClean="0"/>
-              <a:t>WdfDeviceInitSetPowerPolicyEventCallbacks</a:t>
-            </a:r>
-            <a:endParaRPr lang="en-US" sz="2400" dirty="0" smtClean="0"/>
-          </a:p>
-          <a:p>
-            <a:r>
-              <a:rPr lang="en-US" sz="2400" dirty="0" smtClean="0"/>
-              <a:t>Functional driver: </a:t>
-            </a:r>
-            <a:r>
-              <a:rPr lang="en-US" sz="2400" dirty="0" err="1" smtClean="0"/>
-              <a:t>WdfFdoInitSetEventCallbacks</a:t>
-            </a:r>
-            <a:endParaRPr lang="en-US" sz="2400" dirty="0" smtClean="0"/>
-          </a:p>
-          <a:p>
-            <a:endParaRPr lang="he-IL" sz="2400" dirty="0"/>
           </a:p>
         </p:txBody>
       </p:sp>
@@ -6413,7 +7208,7 @@
     </p:spTree>
     <p:extLst>
       <p:ext uri="{BB962C8B-B14F-4D97-AF65-F5344CB8AC3E}">
-        <p14:creationId xmlns:p14="http://schemas.microsoft.com/office/powerpoint/2010/main" val="3144891379"/>
+        <p14:creationId xmlns:p14="http://schemas.microsoft.com/office/powerpoint/2010/main" val="988619686"/>
       </p:ext>
     </p:extLst>
   </p:cSld>
@@ -6457,7 +7252,7 @@
           <a:p>
             <a:r>
               <a:rPr lang="en-US" dirty="0" smtClean="0"/>
-              <a:t>Supporting idle power down</a:t>
+              <a:t>System IRP_MN_SET_POWER</a:t>
             </a:r>
             <a:endParaRPr lang="he-IL" dirty="0"/>
           </a:p>
@@ -6478,41 +7273,65 @@
           <a:bodyPr/>
           <a:lstStyle/>
           <a:p>
-            <a:r>
-              <a:rPr lang="en-US" dirty="0" smtClean="0"/>
-              <a:t>WdfDeviceAssignS0IdleSettings</a:t>
-            </a:r>
-          </a:p>
-          <a:p>
+            <a:pPr marL="514350" indent="-514350">
+              <a:buFont typeface="+mj-lt"/>
+              <a:buAutoNum type="arabicPeriod"/>
+            </a:pPr>
+            <a:r>
+              <a:rPr lang="en-US" dirty="0" smtClean="0"/>
+              <a:t>PPO will set Completion routine</a:t>
+            </a:r>
+          </a:p>
+          <a:p>
+            <a:pPr marL="514350" indent="-514350">
+              <a:buFont typeface="+mj-lt"/>
+              <a:buAutoNum type="arabicPeriod"/>
+            </a:pPr>
+            <a:r>
+              <a:rPr lang="en-US" dirty="0" smtClean="0"/>
+              <a:t>Call lower driver</a:t>
+            </a:r>
+          </a:p>
+          <a:p>
+            <a:pPr marL="514350" indent="-514350">
+              <a:buFont typeface="+mj-lt"/>
+              <a:buAutoNum type="arabicPeriod"/>
+            </a:pPr>
+            <a:r>
+              <a:rPr lang="en-US" dirty="0" smtClean="0"/>
+              <a:t>System IRP for other drivers are FYI</a:t>
+            </a:r>
+          </a:p>
+          <a:p>
+            <a:pPr marL="514350" indent="-514350">
+              <a:buFont typeface="+mj-lt"/>
+              <a:buAutoNum type="arabicPeriod"/>
+            </a:pPr>
+            <a:r>
+              <a:rPr lang="en-US" dirty="0" smtClean="0"/>
+              <a:t>On completion, complete first the system IRP</a:t>
+            </a:r>
+          </a:p>
+          <a:p>
+            <a:pPr marL="514350" indent="-514350">
+              <a:buFont typeface="+mj-lt"/>
+              <a:buAutoNum type="arabicPeriod"/>
+            </a:pPr>
+            <a:r>
+              <a:rPr lang="en-US" dirty="0" smtClean="0"/>
+              <a:t>Then initiate a device IRP_MN_SET_POWER using the API: </a:t>
+            </a:r>
             <a:r>
               <a:rPr lang="en-US" dirty="0" err="1" smtClean="0"/>
-              <a:t>WdfDeviceInitSetPowerPolicyEventCallbacks</a:t>
+              <a:t>PoRequestPowerIRP</a:t>
             </a:r>
             <a:endParaRPr lang="en-US" dirty="0" smtClean="0"/>
           </a:p>
           <a:p>
-            <a:pPr lvl="1"/>
-            <a:r>
-              <a:rPr lang="en-US" dirty="0" smtClean="0"/>
-              <a:t>EvtDeviceArmWakeFromS0</a:t>
-            </a:r>
-          </a:p>
-          <a:p>
-            <a:pPr lvl="1"/>
-            <a:r>
-              <a:rPr lang="en-US" dirty="0" smtClean="0"/>
-              <a:t>EvtDeviceDisarmWakeFromS0</a:t>
-            </a:r>
-          </a:p>
-          <a:p>
-            <a:pPr lvl="1"/>
-            <a:r>
-              <a:rPr lang="en-US" dirty="0" smtClean="0"/>
-              <a:t>EvtDeviceWakeFromS0Triggered</a:t>
-            </a:r>
-          </a:p>
-          <a:p>
-            <a:pPr lvl="1"/>
+            <a:pPr marL="514350" indent="-514350">
+              <a:buFont typeface="+mj-lt"/>
+              <a:buAutoNum type="arabicPeriod"/>
+            </a:pPr>
             <a:endParaRPr lang="he-IL" dirty="0"/>
           </a:p>
         </p:txBody>
@@ -6567,7 +7386,7 @@
     </p:spTree>
     <p:extLst>
       <p:ext uri="{BB962C8B-B14F-4D97-AF65-F5344CB8AC3E}">
-        <p14:creationId xmlns:p14="http://schemas.microsoft.com/office/powerpoint/2010/main" val="3292235699"/>
+        <p14:creationId xmlns:p14="http://schemas.microsoft.com/office/powerpoint/2010/main" val="1170074837"/>
       </p:ext>
     </p:extLst>
   </p:cSld>
@@ -6606,14 +7425,16 @@
         </p:nvSpPr>
         <p:spPr/>
         <p:txBody>
-          <a:bodyPr/>
+          <a:bodyPr>
+            <a:normAutofit/>
+          </a:bodyPr>
           <a:lstStyle/>
           <a:p>
             <a:r>
-              <a:rPr lang="en-US" dirty="0" smtClean="0"/>
-              <a:t>Supporting System Wake Up</a:t>
-            </a:r>
-            <a:endParaRPr lang="he-IL" dirty="0"/>
+              <a:rPr lang="en-US" sz="2800" dirty="0" smtClean="0"/>
+              <a:t>IRP_MJ_POWER/IRP_MN_QUERY_POWER</a:t>
+            </a:r>
+            <a:endParaRPr lang="he-IL" sz="2800" dirty="0"/>
           </a:p>
         </p:txBody>
       </p:sp>
@@ -6633,33 +7454,32 @@
           <a:lstStyle/>
           <a:p>
             <a:r>
-              <a:rPr lang="en-US" dirty="0" err="1" smtClean="0"/>
-              <a:t>WdfDeviceAssignSxWakeSettings</a:t>
-            </a:r>
-            <a:endParaRPr lang="en-US" dirty="0" smtClean="0"/>
+              <a:rPr lang="en-US" dirty="0" smtClean="0"/>
+              <a:t>Sent only when powering down</a:t>
+            </a:r>
+          </a:p>
+          <a:p>
+            <a:r>
+              <a:rPr lang="en-US" dirty="0" smtClean="0"/>
+              <a:t>System will try to send whenever possible</a:t>
+            </a:r>
           </a:p>
           <a:p>
             <a:pPr lvl="1"/>
             <a:r>
               <a:rPr lang="en-US" dirty="0" smtClean="0"/>
-              <a:t>Low power state that device can enter</a:t>
+              <a:t>Will not send when pressing power button</a:t>
             </a:r>
           </a:p>
           <a:p>
             <a:pPr lvl="1"/>
             <a:r>
               <a:rPr lang="en-US" dirty="0" smtClean="0"/>
-              <a:t>Whether user can control the idle settings.</a:t>
+              <a:t>Will not send when battery runs out</a:t>
             </a:r>
           </a:p>
           <a:p>
             <a:pPr lvl="1"/>
-            <a:r>
-              <a:rPr lang="en-US" dirty="0" smtClean="0"/>
-              <a:t>Device can wake</a:t>
-            </a:r>
-          </a:p>
-          <a:p>
             <a:endParaRPr lang="he-IL" dirty="0"/>
           </a:p>
         </p:txBody>
@@ -6714,7 +7534,7 @@
     </p:spTree>
     <p:extLst>
       <p:ext uri="{BB962C8B-B14F-4D97-AF65-F5344CB8AC3E}">
-        <p14:creationId xmlns:p14="http://schemas.microsoft.com/office/powerpoint/2010/main" val="3995613820"/>
+        <p14:creationId xmlns:p14="http://schemas.microsoft.com/office/powerpoint/2010/main" val="431407661"/>
       </p:ext>
     </p:extLst>
   </p:cSld>
@@ -6758,7 +7578,7 @@
           <a:p>
             <a:r>
               <a:rPr lang="en-US" dirty="0" smtClean="0"/>
-              <a:t>I/O Queues</a:t>
+              <a:t>Power in KMDF driver</a:t>
             </a:r>
             <a:endParaRPr lang="he-IL" dirty="0"/>
           </a:p>
@@ -6781,56 +7601,50 @@
           <a:p>
             <a:r>
               <a:rPr lang="en-US" dirty="0" smtClean="0"/>
-              <a:t>Group I/O requests to 2 categories</a:t>
+              <a:t>KMDF callbacks to communicate with driver PnP and Power events.</a:t>
+            </a:r>
+          </a:p>
+          <a:p>
+            <a:r>
+              <a:rPr lang="en-US" dirty="0" smtClean="0"/>
+              <a:t>There is no </a:t>
+            </a:r>
+            <a:r>
+              <a:rPr lang="en-US" strike="sngStrike" dirty="0" err="1" smtClean="0"/>
+              <a:t>SmplEvtIoPower</a:t>
+            </a:r>
+            <a:r>
+              <a:rPr lang="en-US" dirty="0" smtClean="0"/>
+              <a:t> callback</a:t>
+            </a:r>
+          </a:p>
+          <a:p>
+            <a:r>
+              <a:rPr lang="en-US" dirty="0" smtClean="0"/>
+              <a:t>Framework handles many Power activities for us</a:t>
+            </a:r>
+          </a:p>
+          <a:p>
+            <a:r>
+              <a:rPr lang="en-US" dirty="0" smtClean="0"/>
+              <a:t>By default, Framework delivers other I/O requests only if available and working (D0)</a:t>
             </a:r>
           </a:p>
           <a:p>
             <a:pPr lvl="1"/>
             <a:r>
               <a:rPr lang="en-US" dirty="0" smtClean="0"/>
-              <a:t>Requests that requires D0 (Read, Write, etc.)</a:t>
-            </a:r>
+              <a:t>Power managed queue (default). See with !</a:t>
+            </a:r>
+            <a:r>
+              <a:rPr lang="en-US" dirty="0" err="1" smtClean="0"/>
+              <a:t>wdfdevice</a:t>
+            </a:r>
+            <a:endParaRPr lang="en-US" dirty="0" smtClean="0"/>
           </a:p>
           <a:p>
             <a:pPr lvl="1"/>
-            <a:r>
-              <a:rPr lang="en-US" dirty="0" smtClean="0"/>
-              <a:t>Requests that not require D0 (some IO control, etc.)</a:t>
-            </a:r>
-          </a:p>
-          <a:p>
-            <a:r>
-              <a:rPr lang="en-US" dirty="0" smtClean="0"/>
-              <a:t>Framework can create two queues, for each group.</a:t>
-            </a:r>
-          </a:p>
-          <a:p>
-            <a:pPr lvl="1"/>
-            <a:r>
-              <a:rPr lang="en-US" dirty="0" err="1" smtClean="0"/>
-              <a:t>PowerManaged</a:t>
-            </a:r>
-            <a:r>
-              <a:rPr lang="en-US" dirty="0" smtClean="0"/>
-              <a:t> field in WDF_IO_QUEUE_CONFIG: </a:t>
-            </a:r>
-            <a:r>
-              <a:rPr lang="en-US" dirty="0" err="1" smtClean="0"/>
-              <a:t>WdfTrue</a:t>
-            </a:r>
-            <a:r>
-              <a:rPr lang="en-US" dirty="0" smtClean="0"/>
-              <a:t> or </a:t>
-            </a:r>
-            <a:r>
-              <a:rPr lang="en-US" dirty="0" err="1" smtClean="0"/>
-              <a:t>WdfFalse</a:t>
-            </a:r>
-            <a:endParaRPr lang="en-US" dirty="0" smtClean="0"/>
-          </a:p>
-          <a:p>
-            <a:pPr lvl="1"/>
-            <a:endParaRPr lang="en-US" dirty="0" smtClean="0"/>
+            <a:endParaRPr lang="he-IL" dirty="0"/>
           </a:p>
         </p:txBody>
       </p:sp>
@@ -6884,7 +7698,7 @@
     </p:spTree>
     <p:extLst>
       <p:ext uri="{BB962C8B-B14F-4D97-AF65-F5344CB8AC3E}">
-        <p14:creationId xmlns:p14="http://schemas.microsoft.com/office/powerpoint/2010/main" val="2166839470"/>
+        <p14:creationId xmlns:p14="http://schemas.microsoft.com/office/powerpoint/2010/main" val="4292075591"/>
       </p:ext>
     </p:extLst>
   </p:cSld>
@@ -6928,7 +7742,7 @@
           <a:p>
             <a:r>
               <a:rPr lang="en-US" dirty="0" smtClean="0"/>
-              <a:t>Sub-device power state</a:t>
+              <a:t>IRP_</a:t>
             </a:r>
             <a:endParaRPr lang="he-IL" dirty="0"/>
           </a:p>
@@ -6949,71 +7763,7 @@
           <a:bodyPr/>
           <a:lstStyle/>
           <a:p>
-            <a:r>
-              <a:rPr lang="en-US" dirty="0" smtClean="0"/>
-              <a:t>In Windows 8: Power Management Framework (</a:t>
-            </a:r>
-            <a:r>
-              <a:rPr lang="en-US" dirty="0" err="1" smtClean="0"/>
-              <a:t>PoFx</a:t>
-            </a:r>
-            <a:r>
-              <a:rPr lang="en-US" dirty="0" smtClean="0"/>
-              <a:t>)</a:t>
-            </a:r>
-          </a:p>
-          <a:p>
-            <a:r>
-              <a:rPr lang="en-US" dirty="0" smtClean="0"/>
-              <a:t>F0, F1, F2, F3 states</a:t>
-            </a:r>
-          </a:p>
-          <a:p>
-            <a:r>
-              <a:rPr lang="en-US" dirty="0" smtClean="0"/>
-              <a:t>Device runtime power management:</a:t>
-            </a:r>
-          </a:p>
-          <a:p>
-            <a:pPr lvl="1"/>
-            <a:r>
-              <a:rPr lang="en-US" dirty="0" smtClean="0"/>
-              <a:t>Using D states</a:t>
-            </a:r>
-          </a:p>
-          <a:p>
-            <a:pPr lvl="1"/>
-            <a:r>
-              <a:rPr lang="en-US" dirty="0" smtClean="0"/>
-              <a:t>Device Idle detection</a:t>
-            </a:r>
-          </a:p>
-          <a:p>
-            <a:r>
-              <a:rPr lang="en-US" dirty="0" smtClean="0"/>
-              <a:t>Component level power management:</a:t>
-            </a:r>
-          </a:p>
-          <a:p>
-            <a:pPr lvl="1"/>
-            <a:r>
-              <a:rPr lang="en-US" dirty="0" smtClean="0"/>
-              <a:t>Using F states</a:t>
-            </a:r>
-          </a:p>
-          <a:p>
-            <a:pPr lvl="1"/>
-            <a:r>
-              <a:rPr lang="en-US" dirty="0" smtClean="0"/>
-              <a:t>Only while device is in D0 state</a:t>
-            </a:r>
-          </a:p>
-          <a:p>
-            <a:pPr lvl="1"/>
-            <a:endParaRPr lang="en-US" dirty="0" smtClean="0"/>
-          </a:p>
-          <a:p>
-            <a:endParaRPr lang="he-IL" dirty="0"/>
+            <a:endParaRPr lang="he-IL"/>
           </a:p>
         </p:txBody>
       </p:sp>
@@ -7067,7 +7817,7 @@
     </p:spTree>
     <p:extLst>
       <p:ext uri="{BB962C8B-B14F-4D97-AF65-F5344CB8AC3E}">
-        <p14:creationId xmlns:p14="http://schemas.microsoft.com/office/powerpoint/2010/main" val="4141108320"/>
+        <p14:creationId xmlns:p14="http://schemas.microsoft.com/office/powerpoint/2010/main" val="123442639"/>
       </p:ext>
     </p:extLst>
   </p:cSld>
@@ -7110,12 +7860,12 @@
           <a:lstStyle/>
           <a:p>
             <a:r>
+              <a:rPr lang="en-US" dirty="0" smtClean="0"/>
+              <a:t>During </a:t>
+            </a:r>
+            <a:r>
               <a:rPr lang="en-US" dirty="0" err="1" smtClean="0"/>
-              <a:t>PoFx</a:t>
-            </a:r>
-            <a:r>
-              <a:rPr lang="en-US" dirty="0" smtClean="0"/>
-              <a:t> functions</a:t>
+              <a:t>EvtDriverDeviceAdd</a:t>
             </a:r>
             <a:endParaRPr lang="he-IL" dirty="0"/>
           </a:p>
@@ -7137,36 +7887,84 @@
           <a:lstStyle/>
           <a:p>
             <a:r>
-              <a:rPr lang="en-US" dirty="0" smtClean="0"/>
-              <a:t>Registration</a:t>
-            </a:r>
+              <a:rPr lang="en-US" sz="2400" dirty="0" smtClean="0"/>
+              <a:t>Call </a:t>
+            </a:r>
+            <a:r>
+              <a:rPr lang="en-US" sz="2400" dirty="0" err="1" smtClean="0"/>
+              <a:t>WdfDeviceInitSetPnpPowerEventCallbacks</a:t>
+            </a:r>
+            <a:endParaRPr lang="en-US" sz="2400" dirty="0" smtClean="0"/>
           </a:p>
           <a:p>
             <a:pPr lvl="1"/>
             <a:r>
-              <a:rPr lang="en-US" dirty="0" err="1" smtClean="0"/>
-              <a:t>PoFxRegisterDevice</a:t>
-            </a:r>
-            <a:endParaRPr lang="en-US" dirty="0" smtClean="0"/>
+              <a:rPr lang="en-US" sz="2000" dirty="0" err="1" smtClean="0"/>
+              <a:t>EvtDevicePrepareHardware</a:t>
+            </a:r>
+            <a:endParaRPr lang="en-US" sz="2000" dirty="0" smtClean="0"/>
           </a:p>
           <a:p>
             <a:pPr lvl="1"/>
             <a:r>
-              <a:rPr lang="en-US" dirty="0" err="1" smtClean="0"/>
-              <a:t>PoFxStartDevicePowerManagement</a:t>
-            </a:r>
-            <a:endParaRPr lang="en-US" dirty="0" smtClean="0"/>
-          </a:p>
-          <a:p>
-            <a:r>
-              <a:rPr lang="en-US" dirty="0" err="1" smtClean="0"/>
-              <a:t>PoFxReportDevicePoweredOn</a:t>
-            </a:r>
-            <a:endParaRPr lang="en-US" smtClean="0"/>
+              <a:rPr lang="en-US" sz="2000" dirty="0" smtClean="0"/>
+              <a:t>EvtDeviceD0Entry</a:t>
+            </a:r>
           </a:p>
           <a:p>
             <a:pPr lvl="1"/>
-            <a:endParaRPr lang="he-IL"/>
+            <a:r>
+              <a:rPr lang="en-US" sz="2000" dirty="0" smtClean="0"/>
+              <a:t>EvtDeviceD0Exit</a:t>
+            </a:r>
+          </a:p>
+          <a:p>
+            <a:pPr lvl="1"/>
+            <a:r>
+              <a:rPr lang="en-US" sz="2000" dirty="0" err="1" smtClean="0"/>
+              <a:t>EvtDeviceReleaseHardware</a:t>
+            </a:r>
+            <a:endParaRPr lang="en-US" sz="2000" dirty="0" smtClean="0"/>
+          </a:p>
+          <a:p>
+            <a:r>
+              <a:rPr lang="en-US" sz="2400" dirty="0" err="1" smtClean="0"/>
+              <a:t>WdfDeviceSetPnpCapabilities</a:t>
+            </a:r>
+            <a:r>
+              <a:rPr lang="en-US" sz="2400" dirty="0" smtClean="0"/>
+              <a:t>, </a:t>
+            </a:r>
+            <a:r>
+              <a:rPr lang="en-US" sz="2400" dirty="0" err="1" smtClean="0"/>
+              <a:t>WdfDeviceSetPowerCapabilities</a:t>
+            </a:r>
+            <a:endParaRPr lang="en-US" sz="2400" dirty="0" smtClean="0"/>
+          </a:p>
+          <a:p>
+            <a:r>
+              <a:rPr lang="en-US" sz="2400" dirty="0" smtClean="0"/>
+              <a:t>Wake: </a:t>
+            </a:r>
+            <a:r>
+              <a:rPr lang="en-US" sz="2400" dirty="0" err="1" smtClean="0"/>
+              <a:t>WdfDeviceInitSetPowerPolicyEventCallbacks</a:t>
+            </a:r>
+            <a:endParaRPr lang="en-US" sz="2400" dirty="0" smtClean="0"/>
+          </a:p>
+          <a:p>
+            <a:r>
+              <a:rPr lang="en-US" sz="2400" dirty="0" smtClean="0"/>
+              <a:t>Functional driver: </a:t>
+            </a:r>
+            <a:r>
+              <a:rPr lang="en-US" sz="2400" dirty="0" err="1" smtClean="0"/>
+              <a:t>WdfFdoInitSetEventCallbacks</a:t>
+            </a:r>
+            <a:endParaRPr lang="en-US" sz="2400" dirty="0" smtClean="0"/>
+          </a:p>
+          <a:p>
+            <a:endParaRPr lang="he-IL" sz="2400" dirty="0"/>
           </a:p>
         </p:txBody>
       </p:sp>
@@ -7220,7 +8018,7 @@
     </p:spTree>
     <p:extLst>
       <p:ext uri="{BB962C8B-B14F-4D97-AF65-F5344CB8AC3E}">
-        <p14:creationId xmlns:p14="http://schemas.microsoft.com/office/powerpoint/2010/main" val="2730344464"/>
+        <p14:creationId xmlns:p14="http://schemas.microsoft.com/office/powerpoint/2010/main" val="3144891379"/>
       </p:ext>
     </p:extLst>
   </p:cSld>
@@ -7249,7 +8047,84 @@
       </p:grpSpPr>
       <p:sp>
         <p:nvSpPr>
-          <p:cNvPr id="2" name="Footer Placeholder 1"/>
+          <p:cNvPr id="2" name="Title 1"/>
+          <p:cNvSpPr>
+            <a:spLocks noGrp="1"/>
+          </p:cNvSpPr>
+          <p:nvPr>
+            <p:ph type="title"/>
+          </p:nvPr>
+        </p:nvSpPr>
+        <p:spPr/>
+        <p:txBody>
+          <a:bodyPr/>
+          <a:lstStyle/>
+          <a:p>
+            <a:r>
+              <a:rPr lang="en-US" dirty="0" smtClean="0"/>
+              <a:t>Supporting idle power down</a:t>
+            </a:r>
+            <a:endParaRPr lang="he-IL" dirty="0"/>
+          </a:p>
+        </p:txBody>
+      </p:sp>
+      <p:sp>
+        <p:nvSpPr>
+          <p:cNvPr id="3" name="Content Placeholder 2"/>
+          <p:cNvSpPr>
+            <a:spLocks noGrp="1"/>
+          </p:cNvSpPr>
+          <p:nvPr>
+            <p:ph idx="1"/>
+          </p:nvPr>
+        </p:nvSpPr>
+        <p:spPr/>
+        <p:txBody>
+          <a:bodyPr/>
+          <a:lstStyle/>
+          <a:p>
+            <a:r>
+              <a:rPr lang="en-US" dirty="0" smtClean="0"/>
+              <a:t>WdfDeviceAssignS0IdleSettings</a:t>
+            </a:r>
+          </a:p>
+          <a:p>
+            <a:r>
+              <a:rPr lang="en-US" dirty="0" err="1" smtClean="0"/>
+              <a:t>WdfDeviceInitSetPowerPolicyEventCallbacks</a:t>
+            </a:r>
+            <a:endParaRPr lang="en-US" dirty="0" smtClean="0"/>
+          </a:p>
+          <a:p>
+            <a:pPr lvl="1"/>
+            <a:r>
+              <a:rPr lang="en-US" dirty="0" smtClean="0"/>
+              <a:t>EvtDeviceArmWakeFromS0</a:t>
+            </a:r>
+          </a:p>
+          <a:p>
+            <a:pPr lvl="1"/>
+            <a:r>
+              <a:rPr lang="en-US" dirty="0" smtClean="0"/>
+              <a:t>EvtDeviceDisarmWakeFromS0</a:t>
+            </a:r>
+          </a:p>
+          <a:p>
+            <a:pPr lvl="1"/>
+            <a:r>
+              <a:rPr lang="en-US" dirty="0" smtClean="0"/>
+              <a:t>EvtDeviceWakeFromS0Triggered</a:t>
+            </a:r>
+          </a:p>
+          <a:p>
+            <a:pPr lvl="1"/>
+            <a:endParaRPr lang="he-IL" dirty="0"/>
+          </a:p>
+        </p:txBody>
+      </p:sp>
+      <p:sp>
+        <p:nvSpPr>
+          <p:cNvPr id="4" name="Footer Placeholder 3"/>
           <p:cNvSpPr>
             <a:spLocks noGrp="1"/>
           </p:cNvSpPr>
@@ -7272,7 +8147,7 @@
       </p:sp>
       <p:sp>
         <p:nvSpPr>
-          <p:cNvPr id="3" name="Slide Number Placeholder 2"/>
+          <p:cNvPr id="5" name="Slide Number Placeholder 4"/>
           <p:cNvSpPr>
             <a:spLocks noGrp="1"/>
           </p:cNvSpPr>
@@ -7294,33 +8169,10 @@
           </a:p>
         </p:txBody>
       </p:sp>
-      <p:sp>
-        <p:nvSpPr>
-          <p:cNvPr id="4" name="Title 3"/>
-          <p:cNvSpPr>
-            <a:spLocks noGrp="1"/>
-          </p:cNvSpPr>
-          <p:nvPr>
-            <p:ph type="title"/>
-          </p:nvPr>
-        </p:nvSpPr>
-        <p:spPr/>
-        <p:txBody>
-          <a:bodyPr/>
-          <a:lstStyle/>
-          <a:p>
-            <a:r>
-              <a:rPr lang="en-US" smtClean="0"/>
-              <a:t>KMDF Power Device</a:t>
-            </a:r>
-            <a:endParaRPr lang="he-IL"/>
-          </a:p>
-        </p:txBody>
-      </p:sp>
     </p:spTree>
     <p:extLst>
       <p:ext uri="{BB962C8B-B14F-4D97-AF65-F5344CB8AC3E}">
-        <p14:creationId xmlns:p14="http://schemas.microsoft.com/office/powerpoint/2010/main" val="3591848115"/>
+        <p14:creationId xmlns:p14="http://schemas.microsoft.com/office/powerpoint/2010/main" val="3292235699"/>
       </p:ext>
     </p:extLst>
   </p:cSld>
